--- a/Final Task_KimiaFarma_BDA__Cahya Intan Salsabila.pptx
+++ b/Final Task_KimiaFarma_BDA__Cahya Intan Salsabila.pptx
@@ -10557,7 +10557,7 @@
             </a:r>
             <a:r>
               <a:rPr lang="id-ID" b="1" u="sng" dirty="0"/>
-              <a:t>https://github.com/cahyaintan7/Final-Task-Kimia-Farma-Big-Data-Analytics.git</a:t>
+              <a:t>https://github.com/cahyaintan7/Final-Task-Kimia-Farma-Big-Data-Analytics</a:t>
             </a:r>
           </a:p>
         </p:txBody>
